--- a/lab6/Lab6实验分享.pptx
+++ b/lab6/Lab6实验分享.pptx
@@ -372,7 +372,7 @@
           <a:p>
             <a:fld id="{D9F4C87E-67D7-4747-B03D-6F045E1AC05D}" type="datetimeFigureOut">
               <a:rPr lang="zh-CN" altLang="en-US" smtClean="0"/>
-              <a:t>2023/10/22</a:t>
+              <a:t>2023/10/23</a:t>
             </a:fld>
             <a:endParaRPr lang="zh-CN" altLang="en-US"/>
           </a:p>
@@ -704,7 +704,7 @@
           <a:p>
             <a:fld id="{D9F4C87E-67D7-4747-B03D-6F045E1AC05D}" type="datetimeFigureOut">
               <a:rPr lang="zh-CN" altLang="en-US" smtClean="0"/>
-              <a:t>2023/10/22</a:t>
+              <a:t>2023/10/23</a:t>
             </a:fld>
             <a:endParaRPr lang="zh-CN" altLang="en-US"/>
           </a:p>
@@ -952,7 +952,7 @@
           <a:p>
             <a:fld id="{D9F4C87E-67D7-4747-B03D-6F045E1AC05D}" type="datetimeFigureOut">
               <a:rPr lang="zh-CN" altLang="en-US" smtClean="0"/>
-              <a:t>2023/10/22</a:t>
+              <a:t>2023/10/23</a:t>
             </a:fld>
             <a:endParaRPr lang="zh-CN" altLang="en-US"/>
           </a:p>
@@ -1298,7 +1298,7 @@
           <a:p>
             <a:fld id="{D9F4C87E-67D7-4747-B03D-6F045E1AC05D}" type="datetimeFigureOut">
               <a:rPr lang="zh-CN" altLang="en-US" smtClean="0"/>
-              <a:t>2023/10/22</a:t>
+              <a:t>2023/10/23</a:t>
             </a:fld>
             <a:endParaRPr lang="zh-CN" altLang="en-US"/>
           </a:p>
@@ -1652,7 +1652,7 @@
           <a:p>
             <a:fld id="{D9F4C87E-67D7-4747-B03D-6F045E1AC05D}" type="datetimeFigureOut">
               <a:rPr lang="zh-CN" altLang="en-US" smtClean="0"/>
-              <a:t>2023/10/22</a:t>
+              <a:t>2023/10/23</a:t>
             </a:fld>
             <a:endParaRPr lang="zh-CN" altLang="en-US"/>
           </a:p>
@@ -2026,7 +2026,7 @@
           <a:p>
             <a:fld id="{D9F4C87E-67D7-4747-B03D-6F045E1AC05D}" type="datetimeFigureOut">
               <a:rPr lang="zh-CN" altLang="en-US" smtClean="0"/>
-              <a:t>2023/10/22</a:t>
+              <a:t>2023/10/23</a:t>
             </a:fld>
             <a:endParaRPr lang="zh-CN" altLang="en-US"/>
           </a:p>
@@ -2503,7 +2503,7 @@
           <a:p>
             <a:fld id="{D9F4C87E-67D7-4747-B03D-6F045E1AC05D}" type="datetimeFigureOut">
               <a:rPr lang="zh-CN" altLang="en-US" smtClean="0"/>
-              <a:t>2023/10/22</a:t>
+              <a:t>2023/10/23</a:t>
             </a:fld>
             <a:endParaRPr lang="zh-CN" altLang="en-US"/>
           </a:p>
@@ -2715,7 +2715,7 @@
           <a:p>
             <a:fld id="{D9F4C87E-67D7-4747-B03D-6F045E1AC05D}" type="datetimeFigureOut">
               <a:rPr lang="zh-CN" altLang="en-US" smtClean="0"/>
-              <a:t>2023/10/22</a:t>
+              <a:t>2023/10/23</a:t>
             </a:fld>
             <a:endParaRPr lang="zh-CN" altLang="en-US"/>
           </a:p>
@@ -2933,7 +2933,7 @@
           <a:p>
             <a:fld id="{D9F4C87E-67D7-4747-B03D-6F045E1AC05D}" type="datetimeFigureOut">
               <a:rPr lang="zh-CN" altLang="en-US" smtClean="0"/>
-              <a:t>2023/10/22</a:t>
+              <a:t>2023/10/23</a:t>
             </a:fld>
             <a:endParaRPr lang="zh-CN" altLang="en-US"/>
           </a:p>
@@ -3179,7 +3179,7 @@
           <a:p>
             <a:fld id="{D9F4C87E-67D7-4747-B03D-6F045E1AC05D}" type="datetimeFigureOut">
               <a:rPr lang="zh-CN" altLang="en-US" smtClean="0"/>
-              <a:t>2023/10/22</a:t>
+              <a:t>2023/10/23</a:t>
             </a:fld>
             <a:endParaRPr lang="zh-CN" altLang="en-US"/>
           </a:p>
@@ -3427,7 +3427,7 @@
           <a:p>
             <a:fld id="{D9F4C87E-67D7-4747-B03D-6F045E1AC05D}" type="datetimeFigureOut">
               <a:rPr lang="zh-CN" altLang="en-US" smtClean="0"/>
-              <a:t>2023/10/22</a:t>
+              <a:t>2023/10/23</a:t>
             </a:fld>
             <a:endParaRPr lang="zh-CN" altLang="en-US"/>
           </a:p>
@@ -3739,7 +3739,7 @@
           <a:p>
             <a:fld id="{D9F4C87E-67D7-4747-B03D-6F045E1AC05D}" type="datetimeFigureOut">
               <a:rPr lang="zh-CN" altLang="en-US" smtClean="0"/>
-              <a:t>2023/10/22</a:t>
+              <a:t>2023/10/23</a:t>
             </a:fld>
             <a:endParaRPr lang="zh-CN" altLang="en-US"/>
           </a:p>
@@ -4121,7 +4121,7 @@
           <a:p>
             <a:fld id="{D9F4C87E-67D7-4747-B03D-6F045E1AC05D}" type="datetimeFigureOut">
               <a:rPr lang="zh-CN" altLang="en-US" smtClean="0"/>
-              <a:t>2023/10/22</a:t>
+              <a:t>2023/10/23</a:t>
             </a:fld>
             <a:endParaRPr lang="zh-CN" altLang="en-US"/>
           </a:p>
@@ -4277,7 +4277,7 @@
           <a:p>
             <a:fld id="{D9F4C87E-67D7-4747-B03D-6F045E1AC05D}" type="datetimeFigureOut">
               <a:rPr lang="zh-CN" altLang="en-US" smtClean="0"/>
-              <a:t>2023/10/22</a:t>
+              <a:t>2023/10/23</a:t>
             </a:fld>
             <a:endParaRPr lang="zh-CN" altLang="en-US"/>
           </a:p>
@@ -4410,7 +4410,7 @@
           <a:p>
             <a:fld id="{D9F4C87E-67D7-4747-B03D-6F045E1AC05D}" type="datetimeFigureOut">
               <a:rPr lang="zh-CN" altLang="en-US" smtClean="0"/>
-              <a:t>2023/10/22</a:t>
+              <a:t>2023/10/23</a:t>
             </a:fld>
             <a:endParaRPr lang="zh-CN" altLang="en-US"/>
           </a:p>
@@ -4665,7 +4665,7 @@
           <a:p>
             <a:fld id="{D9F4C87E-67D7-4747-B03D-6F045E1AC05D}" type="datetimeFigureOut">
               <a:rPr lang="zh-CN" altLang="en-US" smtClean="0"/>
-              <a:t>2023/10/22</a:t>
+              <a:t>2023/10/23</a:t>
             </a:fld>
             <a:endParaRPr lang="zh-CN" altLang="en-US"/>
           </a:p>
@@ -4987,7 +4987,7 @@
           <a:p>
             <a:fld id="{D9F4C87E-67D7-4747-B03D-6F045E1AC05D}" type="datetimeFigureOut">
               <a:rPr lang="zh-CN" altLang="en-US" smtClean="0"/>
-              <a:t>2023/10/22</a:t>
+              <a:t>2023/10/23</a:t>
             </a:fld>
             <a:endParaRPr lang="zh-CN" altLang="en-US"/>
           </a:p>
@@ -5231,7 +5231,7 @@
           <a:p>
             <a:fld id="{D9F4C87E-67D7-4747-B03D-6F045E1AC05D}" type="datetimeFigureOut">
               <a:rPr lang="zh-CN" altLang="en-US" smtClean="0"/>
-              <a:t>2023/10/22</a:t>
+              <a:t>2023/10/23</a:t>
             </a:fld>
             <a:endParaRPr lang="zh-CN" altLang="en-US"/>
           </a:p>
@@ -13149,7 +13149,7 @@
         <p:spPr>
           <a:xfrm>
             <a:off x="1547205" y="1034998"/>
-            <a:ext cx="9130031" cy="1309076"/>
+            <a:ext cx="9130031" cy="1586075"/>
           </a:xfrm>
           <a:prstGeom prst="rect">
             <a:avLst/>
@@ -13362,6 +13362,66 @@
               </a:rPr>
               <a:t>就是该字符。</a:t>
             </a:r>
+            <a:r>
+              <a:rPr lang="zh-CN" altLang="en-US" sz="1200" b="1" kern="0" dirty="0">
+                <a:effectLst/>
+                <a:ea typeface="宋体" panose="02010600030101010101" pitchFamily="2" charset="-122"/>
+                <a:cs typeface="宋体" panose="02010600030101010101" pitchFamily="2" charset="-122"/>
+              </a:rPr>
+              <a:t>使用</a:t>
+            </a:r>
+            <a:r>
+              <a:rPr lang="en-US" altLang="zh-CN" sz="1200" b="1" kern="0" dirty="0" err="1">
+                <a:effectLst/>
+                <a:ea typeface="宋体" panose="02010600030101010101" pitchFamily="2" charset="-122"/>
+                <a:cs typeface="宋体" panose="02010600030101010101" pitchFamily="2" charset="-122"/>
+              </a:rPr>
+              <a:t>netcat</a:t>
+            </a:r>
+            <a:r>
+              <a:rPr lang="zh-CN" altLang="en-US" sz="1200" b="1" kern="0" dirty="0">
+                <a:effectLst/>
+                <a:ea typeface="宋体" panose="02010600030101010101" pitchFamily="2" charset="-122"/>
+                <a:cs typeface="宋体" panose="02010600030101010101" pitchFamily="2" charset="-122"/>
+              </a:rPr>
+              <a:t>等工具监测，</a:t>
+            </a:r>
+            <a:endParaRPr lang="en-US" altLang="zh-CN" sz="1200" b="1" kern="0" dirty="0">
+              <a:effectLst/>
+              <a:ea typeface="宋体" panose="02010600030101010101" pitchFamily="2" charset="-122"/>
+              <a:cs typeface="宋体" panose="02010600030101010101" pitchFamily="2" charset="-122"/>
+            </a:endParaRPr>
+          </a:p>
+          <a:p>
+            <a:pPr lvl="0">
+              <a:lnSpc>
+                <a:spcPct val="150000"/>
+              </a:lnSpc>
+            </a:pPr>
+            <a:r>
+              <a:rPr lang="zh-CN" altLang="en-US" sz="1200" b="1" kern="0" dirty="0">
+                <a:effectLst/>
+                <a:ea typeface="宋体" panose="02010600030101010101" pitchFamily="2" charset="-122"/>
+                <a:cs typeface="宋体" panose="02010600030101010101" pitchFamily="2" charset="-122"/>
+              </a:rPr>
+              <a:t>                                                                                                   很容易发现该文件访问了上述</a:t>
+            </a:r>
+            <a:r>
+              <a:rPr lang="en-US" altLang="zh-CN" sz="1200" b="1" kern="0" dirty="0" err="1">
+                <a:effectLst/>
+                <a:ea typeface="宋体" panose="02010600030101010101" pitchFamily="2" charset="-122"/>
+                <a:cs typeface="宋体" panose="02010600030101010101" pitchFamily="2" charset="-122"/>
+              </a:rPr>
+              <a:t>url</a:t>
+            </a:r>
+            <a:r>
+              <a:rPr lang="zh-CN" altLang="en-US" sz="1200" b="1" kern="0" dirty="0">
+                <a:effectLst/>
+                <a:ea typeface="宋体" panose="02010600030101010101" pitchFamily="2" charset="-122"/>
+                <a:cs typeface="宋体" panose="02010600030101010101" pitchFamily="2" charset="-122"/>
+              </a:rPr>
+              <a:t>。</a:t>
+            </a:r>
             <a:endParaRPr lang="zh-CN" altLang="zh-CN" sz="1200" dirty="0">
               <a:effectLst/>
               <a:latin typeface="宋体" panose="02010600030101010101" pitchFamily="2" charset="-122"/>
@@ -13371,6 +13431,34 @@
           </a:p>
         </p:txBody>
       </p:sp>
+      <p:pic>
+        <p:nvPicPr>
+          <p:cNvPr id="12" name="图片 11">
+            <a:extLst>
+              <a:ext uri="{FF2B5EF4-FFF2-40B4-BE49-F238E27FC236}">
+                <a16:creationId xmlns:a16="http://schemas.microsoft.com/office/drawing/2014/main" id="{A2F0A8C5-D319-4338-A7C3-EA9B1A05B727}"/>
+              </a:ext>
+            </a:extLst>
+          </p:cNvPr>
+          <p:cNvPicPr/>
+          <p:nvPr/>
+        </p:nvPicPr>
+        <p:blipFill>
+          <a:blip r:embed="rId3"/>
+          <a:stretch>
+            <a:fillRect/>
+          </a:stretch>
+        </p:blipFill>
+        <p:spPr>
+          <a:xfrm>
+            <a:off x="1640522" y="2344074"/>
+            <a:ext cx="3622675" cy="1522730"/>
+          </a:xfrm>
+          <a:prstGeom prst="rect">
+            <a:avLst/>
+          </a:prstGeom>
+        </p:spPr>
+      </p:pic>
     </p:spTree>
     <p:extLst>
       <p:ext uri="{BB962C8B-B14F-4D97-AF65-F5344CB8AC3E}">
